--- a/study/courses/iis/IIS_lec_8.pptx
+++ b/study/courses/iis/IIS_lec_8.pptx
@@ -125,7 +125,7 @@
   </p:defaultTextStyle>
   <p:extLst>
     <p:ext uri="{EFAFB233-063F-42B5-8137-9DF3F51BA10A}">
-      <p15:sldGuideLst xmlns:p15="http://schemas.microsoft.com/office/powerpoint/2012/main" xmlns="">
+      <p15:sldGuideLst xmlns:p15="http://schemas.microsoft.com/office/powerpoint/2012/main">
         <p15:guide id="1" orient="horz" pos="2160">
           <p15:clr>
             <a:srgbClr val="A4A3A4"/>
@@ -224,7 +224,7 @@
           <a:p>
             <a:fld id="{62782DC0-A7C2-4D6B-A659-1A08DD2913BE}" type="datetimeFigureOut">
               <a:rPr lang="ru-RU" smtClean="0"/>
-              <a:t>23.11.2017</a:t>
+              <a:t>08.11.2018</a:t>
             </a:fld>
             <a:endParaRPr lang="ru-RU"/>
           </a:p>
@@ -673,7 +673,7 @@
           <a:p>
             <a:fld id="{45A22731-384D-4614-90F0-A7C4445C0286}" type="datetime1">
               <a:rPr lang="ru-RU" smtClean="0"/>
-              <a:t>23.11.2017</a:t>
+              <a:t>08.11.2018</a:t>
             </a:fld>
             <a:endParaRPr lang="ru-RU"/>
           </a:p>
@@ -695,10 +695,18 @@
           <a:lstStyle/>
           <a:p>
             <a:r>
-              <a:rPr lang="ru-RU" smtClean="0"/>
-              <a:t>НИУ "МЭИ", Каф. УиИ, 2017</a:t>
-            </a:r>
-            <a:endParaRPr lang="ru-RU"/>
+              <a:rPr lang="ru-RU" dirty="0" smtClean="0"/>
+              <a:t>НИУ "МЭИ", Каф. </a:t>
+            </a:r>
+            <a:r>
+              <a:rPr lang="ru-RU" dirty="0" err="1" smtClean="0"/>
+              <a:t>УиИ</a:t>
+            </a:r>
+            <a:r>
+              <a:rPr lang="ru-RU" dirty="0" smtClean="0"/>
+              <a:t>, 2018</a:t>
+            </a:r>
+            <a:endParaRPr lang="ru-RU" dirty="0"/>
           </a:p>
         </p:txBody>
       </p:sp>
@@ -847,7 +855,7 @@
           <a:p>
             <a:fld id="{BC521BCA-673D-4BB5-AF18-6D8B9EB75D71}" type="datetime1">
               <a:rPr lang="ru-RU" smtClean="0"/>
-              <a:t>23.11.2017</a:t>
+              <a:t>08.11.2018</a:t>
             </a:fld>
             <a:endParaRPr lang="ru-RU"/>
           </a:p>
@@ -869,10 +877,18 @@
           <a:lstStyle/>
           <a:p>
             <a:r>
-              <a:rPr lang="ru-RU" smtClean="0"/>
-              <a:t>НИУ "МЭИ", Каф. УиИ, 2017</a:t>
-            </a:r>
-            <a:endParaRPr lang="ru-RU"/>
+              <a:rPr lang="ru-RU" dirty="0" smtClean="0"/>
+              <a:t>НИУ "МЭИ", Каф. </a:t>
+            </a:r>
+            <a:r>
+              <a:rPr lang="ru-RU" dirty="0" err="1" smtClean="0"/>
+              <a:t>УиИ</a:t>
+            </a:r>
+            <a:r>
+              <a:rPr lang="ru-RU" dirty="0" smtClean="0"/>
+              <a:t>, 2018</a:t>
+            </a:r>
+            <a:endParaRPr lang="ru-RU" dirty="0"/>
           </a:p>
         </p:txBody>
       </p:sp>
@@ -1031,7 +1047,7 @@
           <a:p>
             <a:fld id="{BBB21246-C48C-4877-B0C0-BF141933AE02}" type="datetime1">
               <a:rPr lang="ru-RU" smtClean="0"/>
-              <a:t>23.11.2017</a:t>
+              <a:t>08.11.2018</a:t>
             </a:fld>
             <a:endParaRPr lang="ru-RU"/>
           </a:p>
@@ -1053,10 +1069,18 @@
           <a:lstStyle/>
           <a:p>
             <a:r>
-              <a:rPr lang="ru-RU" smtClean="0"/>
-              <a:t>НИУ "МЭИ", Каф. УиИ, 2017</a:t>
-            </a:r>
-            <a:endParaRPr lang="ru-RU"/>
+              <a:rPr lang="ru-RU" dirty="0" smtClean="0"/>
+              <a:t>НИУ "МЭИ", Каф. </a:t>
+            </a:r>
+            <a:r>
+              <a:rPr lang="ru-RU" dirty="0" err="1" smtClean="0"/>
+              <a:t>УиИ</a:t>
+            </a:r>
+            <a:r>
+              <a:rPr lang="ru-RU" dirty="0" smtClean="0"/>
+              <a:t>, 2018</a:t>
+            </a:r>
+            <a:endParaRPr lang="ru-RU" dirty="0"/>
           </a:p>
         </p:txBody>
       </p:sp>
@@ -1205,7 +1229,7 @@
           <a:p>
             <a:fld id="{DB623000-0F97-42E0-89EC-0A41D7954ACD}" type="datetime1">
               <a:rPr lang="ru-RU" smtClean="0"/>
-              <a:t>23.11.2017</a:t>
+              <a:t>08.11.2018</a:t>
             </a:fld>
             <a:endParaRPr lang="ru-RU"/>
           </a:p>
@@ -1227,10 +1251,18 @@
           <a:lstStyle/>
           <a:p>
             <a:r>
-              <a:rPr lang="ru-RU" smtClean="0"/>
-              <a:t>НИУ "МЭИ", Каф. УиИ, 2017</a:t>
-            </a:r>
-            <a:endParaRPr lang="ru-RU"/>
+              <a:rPr lang="ru-RU" dirty="0" smtClean="0"/>
+              <a:t>НИУ "МЭИ", Каф. </a:t>
+            </a:r>
+            <a:r>
+              <a:rPr lang="ru-RU" dirty="0" err="1" smtClean="0"/>
+              <a:t>УиИ</a:t>
+            </a:r>
+            <a:r>
+              <a:rPr lang="ru-RU" dirty="0" smtClean="0"/>
+              <a:t>, 2018</a:t>
+            </a:r>
+            <a:endParaRPr lang="ru-RU" dirty="0"/>
           </a:p>
         </p:txBody>
       </p:sp>
@@ -1455,7 +1487,7 @@
           <a:p>
             <a:fld id="{3AF3FC51-B26A-439A-BFA1-B9817BBA6F2A}" type="datetime1">
               <a:rPr lang="ru-RU" smtClean="0"/>
-              <a:t>23.11.2017</a:t>
+              <a:t>08.11.2018</a:t>
             </a:fld>
             <a:endParaRPr lang="ru-RU"/>
           </a:p>
@@ -1477,10 +1509,18 @@
           <a:lstStyle/>
           <a:p>
             <a:r>
-              <a:rPr lang="ru-RU" smtClean="0"/>
-              <a:t>НИУ "МЭИ", Каф. УиИ, 2017</a:t>
-            </a:r>
-            <a:endParaRPr lang="ru-RU"/>
+              <a:rPr lang="ru-RU" dirty="0" smtClean="0"/>
+              <a:t>НИУ "МЭИ", Каф. </a:t>
+            </a:r>
+            <a:r>
+              <a:rPr lang="ru-RU" dirty="0" err="1" smtClean="0"/>
+              <a:t>УиИ</a:t>
+            </a:r>
+            <a:r>
+              <a:rPr lang="ru-RU" dirty="0" smtClean="0"/>
+              <a:t>, 2018</a:t>
+            </a:r>
+            <a:endParaRPr lang="ru-RU" dirty="0"/>
           </a:p>
         </p:txBody>
       </p:sp>
@@ -1747,7 +1787,7 @@
           <a:p>
             <a:fld id="{41E2DA4E-16D4-4250-B79E-2A00049319CE}" type="datetime1">
               <a:rPr lang="ru-RU" smtClean="0"/>
-              <a:t>23.11.2017</a:t>
+              <a:t>08.11.2018</a:t>
             </a:fld>
             <a:endParaRPr lang="ru-RU"/>
           </a:p>
@@ -1769,10 +1809,18 @@
           <a:lstStyle/>
           <a:p>
             <a:r>
-              <a:rPr lang="ru-RU" smtClean="0"/>
-              <a:t>НИУ "МЭИ", Каф. УиИ, 2017</a:t>
-            </a:r>
-            <a:endParaRPr lang="ru-RU"/>
+              <a:rPr lang="ru-RU" dirty="0" smtClean="0"/>
+              <a:t>НИУ "МЭИ", Каф. </a:t>
+            </a:r>
+            <a:r>
+              <a:rPr lang="ru-RU" dirty="0" err="1" smtClean="0"/>
+              <a:t>УиИ</a:t>
+            </a:r>
+            <a:r>
+              <a:rPr lang="ru-RU" dirty="0" smtClean="0"/>
+              <a:t>, 2018</a:t>
+            </a:r>
+            <a:endParaRPr lang="ru-RU" dirty="0"/>
           </a:p>
         </p:txBody>
       </p:sp>
@@ -2178,7 +2226,7 @@
           <a:p>
             <a:fld id="{F240F3B5-4146-468F-9A81-441332E78F98}" type="datetime1">
               <a:rPr lang="ru-RU" smtClean="0"/>
-              <a:t>23.11.2017</a:t>
+              <a:t>08.11.2018</a:t>
             </a:fld>
             <a:endParaRPr lang="ru-RU"/>
           </a:p>
@@ -2200,10 +2248,18 @@
           <a:lstStyle/>
           <a:p>
             <a:r>
-              <a:rPr lang="ru-RU" smtClean="0"/>
-              <a:t>НИУ "МЭИ", Каф. УиИ, 2017</a:t>
-            </a:r>
-            <a:endParaRPr lang="ru-RU"/>
+              <a:rPr lang="ru-RU" dirty="0" smtClean="0"/>
+              <a:t>НИУ "МЭИ", Каф. </a:t>
+            </a:r>
+            <a:r>
+              <a:rPr lang="ru-RU" dirty="0" err="1" smtClean="0"/>
+              <a:t>УиИ</a:t>
+            </a:r>
+            <a:r>
+              <a:rPr lang="ru-RU" dirty="0" smtClean="0"/>
+              <a:t>, 2018</a:t>
+            </a:r>
+            <a:endParaRPr lang="ru-RU" dirty="0"/>
           </a:p>
         </p:txBody>
       </p:sp>
@@ -2300,7 +2356,7 @@
           <a:p>
             <a:fld id="{642765C3-C02B-4865-965E-45D54BB6B06C}" type="datetime1">
               <a:rPr lang="ru-RU" smtClean="0"/>
-              <a:t>23.11.2017</a:t>
+              <a:t>08.11.2018</a:t>
             </a:fld>
             <a:endParaRPr lang="ru-RU"/>
           </a:p>
@@ -2322,10 +2378,18 @@
           <a:lstStyle/>
           <a:p>
             <a:r>
-              <a:rPr lang="ru-RU" smtClean="0"/>
-              <a:t>НИУ "МЭИ", Каф. УиИ, 2017</a:t>
-            </a:r>
-            <a:endParaRPr lang="ru-RU"/>
+              <a:rPr lang="ru-RU" dirty="0" smtClean="0"/>
+              <a:t>НИУ "МЭИ", Каф. </a:t>
+            </a:r>
+            <a:r>
+              <a:rPr lang="ru-RU" dirty="0" err="1" smtClean="0"/>
+              <a:t>УиИ</a:t>
+            </a:r>
+            <a:r>
+              <a:rPr lang="ru-RU" dirty="0" smtClean="0"/>
+              <a:t>, 2018</a:t>
+            </a:r>
+            <a:endParaRPr lang="ru-RU" dirty="0"/>
           </a:p>
         </p:txBody>
       </p:sp>
@@ -2399,7 +2463,7 @@
           <a:p>
             <a:fld id="{FC5E4B80-DAEE-4568-AAA6-A6422A4A9045}" type="datetime1">
               <a:rPr lang="ru-RU" smtClean="0"/>
-              <a:t>23.11.2017</a:t>
+              <a:t>08.11.2018</a:t>
             </a:fld>
             <a:endParaRPr lang="ru-RU"/>
           </a:p>
@@ -2421,10 +2485,18 @@
           <a:lstStyle/>
           <a:p>
             <a:r>
-              <a:rPr lang="ru-RU" smtClean="0"/>
-              <a:t>НИУ "МЭИ", Каф. УиИ, 2017</a:t>
-            </a:r>
-            <a:endParaRPr lang="ru-RU"/>
+              <a:rPr lang="ru-RU" dirty="0" smtClean="0"/>
+              <a:t>НИУ "МЭИ", Каф. </a:t>
+            </a:r>
+            <a:r>
+              <a:rPr lang="ru-RU" dirty="0" err="1" smtClean="0"/>
+              <a:t>УиИ</a:t>
+            </a:r>
+            <a:r>
+              <a:rPr lang="ru-RU" dirty="0" smtClean="0"/>
+              <a:t>, 2018</a:t>
+            </a:r>
+            <a:endParaRPr lang="ru-RU" dirty="0"/>
           </a:p>
         </p:txBody>
       </p:sp>
@@ -2680,7 +2752,7 @@
           <a:p>
             <a:fld id="{3E4F9634-1035-4E09-9E99-87FB4014131B}" type="datetime1">
               <a:rPr lang="ru-RU" smtClean="0"/>
-              <a:t>23.11.2017</a:t>
+              <a:t>08.11.2018</a:t>
             </a:fld>
             <a:endParaRPr lang="ru-RU"/>
           </a:p>
@@ -2702,10 +2774,18 @@
           <a:lstStyle/>
           <a:p>
             <a:r>
-              <a:rPr lang="ru-RU" smtClean="0"/>
-              <a:t>НИУ "МЭИ", Каф. УиИ, 2017</a:t>
-            </a:r>
-            <a:endParaRPr lang="ru-RU"/>
+              <a:rPr lang="ru-RU" dirty="0" smtClean="0"/>
+              <a:t>НИУ "МЭИ", Каф. </a:t>
+            </a:r>
+            <a:r>
+              <a:rPr lang="ru-RU" dirty="0" err="1" smtClean="0"/>
+              <a:t>УиИ</a:t>
+            </a:r>
+            <a:r>
+              <a:rPr lang="ru-RU" dirty="0" smtClean="0"/>
+              <a:t>, 2018</a:t>
+            </a:r>
+            <a:endParaRPr lang="ru-RU" dirty="0"/>
           </a:p>
         </p:txBody>
       </p:sp>
@@ -2937,7 +3017,7 @@
           <a:p>
             <a:fld id="{204C4CAA-9854-4B43-862B-95AD237E742A}" type="datetime1">
               <a:rPr lang="ru-RU" smtClean="0"/>
-              <a:t>23.11.2017</a:t>
+              <a:t>08.11.2018</a:t>
             </a:fld>
             <a:endParaRPr lang="ru-RU"/>
           </a:p>
@@ -2959,10 +3039,18 @@
           <a:lstStyle/>
           <a:p>
             <a:r>
-              <a:rPr lang="ru-RU" smtClean="0"/>
-              <a:t>НИУ "МЭИ", Каф. УиИ, 2017</a:t>
-            </a:r>
-            <a:endParaRPr lang="ru-RU"/>
+              <a:rPr lang="ru-RU" dirty="0" smtClean="0"/>
+              <a:t>НИУ "МЭИ", Каф. </a:t>
+            </a:r>
+            <a:r>
+              <a:rPr lang="ru-RU" dirty="0" err="1" smtClean="0"/>
+              <a:t>УиИ</a:t>
+            </a:r>
+            <a:r>
+              <a:rPr lang="ru-RU" dirty="0" smtClean="0"/>
+              <a:t>, 2018</a:t>
+            </a:r>
+            <a:endParaRPr lang="ru-RU" dirty="0"/>
           </a:p>
         </p:txBody>
       </p:sp>
@@ -3154,7 +3242,7 @@
           <a:p>
             <a:fld id="{9793EB70-923A-483B-822B-0E409CB5E742}" type="datetime1">
               <a:rPr lang="ru-RU" smtClean="0"/>
-              <a:t>23.11.2017</a:t>
+              <a:t>08.11.2018</a:t>
             </a:fld>
             <a:endParaRPr lang="ru-RU"/>
           </a:p>
@@ -3194,10 +3282,18 @@
           </a:lstStyle>
           <a:p>
             <a:r>
-              <a:rPr lang="ru-RU" smtClean="0"/>
-              <a:t>НИУ "МЭИ", Каф. УиИ, 2017</a:t>
-            </a:r>
-            <a:endParaRPr lang="ru-RU"/>
+              <a:rPr lang="ru-RU" dirty="0" smtClean="0"/>
+              <a:t>НИУ "МЭИ", Каф. </a:t>
+            </a:r>
+            <a:r>
+              <a:rPr lang="ru-RU" dirty="0" err="1" smtClean="0"/>
+              <a:t>УиИ</a:t>
+            </a:r>
+            <a:r>
+              <a:rPr lang="ru-RU" dirty="0" smtClean="0"/>
+              <a:t>, 2018</a:t>
+            </a:r>
+            <a:endParaRPr lang="ru-RU" dirty="0"/>
           </a:p>
         </p:txBody>
       </p:sp>
@@ -3621,7 +3717,7 @@
             </a:pPr>
             <a:r>
               <a:rPr lang="ru-RU" dirty="0" smtClean="0"/>
-              <a:t>Осень 2017 г.</a:t>
+              <a:t>Осень 2018 г.</a:t>
             </a:r>
             <a:endParaRPr lang="ru-RU" dirty="0"/>
           </a:p>
@@ -3643,10 +3739,18 @@
           <a:lstStyle/>
           <a:p>
             <a:r>
-              <a:rPr lang="ru-RU" smtClean="0"/>
-              <a:t>НИУ "МЭИ", Каф. УиИ, 2017</a:t>
-            </a:r>
-            <a:endParaRPr lang="ru-RU"/>
+              <a:rPr lang="ru-RU" dirty="0" smtClean="0"/>
+              <a:t>НИУ "МЭИ", Каф. </a:t>
+            </a:r>
+            <a:r>
+              <a:rPr lang="ru-RU" dirty="0" err="1" smtClean="0"/>
+              <a:t>УиИ</a:t>
+            </a:r>
+            <a:r>
+              <a:rPr lang="ru-RU" dirty="0" smtClean="0"/>
+              <a:t>, 2018</a:t>
+            </a:r>
+            <a:endParaRPr lang="ru-RU" dirty="0"/>
           </a:p>
         </p:txBody>
       </p:sp>
@@ -3782,7 +3886,7 @@
             </a:r>
             <a:r>
               <a:rPr lang="ru-RU" dirty="0" smtClean="0"/>
-              <a:t>, 2017</a:t>
+              <a:t>, 2018</a:t>
             </a:r>
             <a:endParaRPr lang="ru-RU" dirty="0"/>
           </a:p>
@@ -4310,7 +4414,7 @@
             </a:r>
             <a:r>
               <a:rPr lang="ru-RU" dirty="0" smtClean="0"/>
-              <a:t>, 2017</a:t>
+              <a:t>, 2018</a:t>
             </a:r>
             <a:endParaRPr lang="ru-RU" dirty="0"/>
           </a:p>
@@ -4925,7 +5029,7 @@
             </a:r>
             <a:r>
               <a:rPr lang="ru-RU" dirty="0" smtClean="0"/>
-              <a:t>, 2017</a:t>
+              <a:t>, 2018</a:t>
             </a:r>
             <a:endParaRPr lang="ru-RU" dirty="0"/>
           </a:p>
@@ -5484,7 +5588,7 @@
             </a:r>
             <a:r>
               <a:rPr lang="ru-RU" dirty="0" smtClean="0"/>
-              <a:t>, 2017</a:t>
+              <a:t>, 2018</a:t>
             </a:r>
             <a:endParaRPr lang="ru-RU" dirty="0"/>
           </a:p>
@@ -5773,8 +5877,8 @@
         </p:nvSpPr>
         <p:spPr>
           <a:xfrm>
-            <a:off x="388158" y="603964"/>
-            <a:ext cx="11357432" cy="369332"/>
+            <a:off x="388158" y="550894"/>
+            <a:ext cx="11357432" cy="923330"/>
           </a:xfrm>
           <a:prstGeom prst="rect">
             <a:avLst/>
@@ -5817,7 +5921,13 @@
             </a:r>
             <a:r>
               <a:rPr lang="ru-RU" dirty="0" smtClean="0"/>
-              <a:t>таким образом, чтобы сеть решала поставленную нами задачу.</a:t>
+              <a:t>таким образом, чтобы сеть решала поставленную нами задачу (обучение с учителем).</a:t>
+            </a:r>
+          </a:p>
+          <a:p>
+            <a:r>
+              <a:rPr lang="ru-RU" dirty="0" smtClean="0"/>
+              <a:t>Обычно, первоначальные значения весов задаются случайным образом. </a:t>
             </a:r>
           </a:p>
         </p:txBody>
@@ -5832,8 +5942,8 @@
         </p:nvSpPr>
         <p:spPr bwMode="auto">
           <a:xfrm>
-            <a:off x="388158" y="1015079"/>
-            <a:ext cx="11771285" cy="5632311"/>
+            <a:off x="388158" y="1478315"/>
+            <a:ext cx="11771285" cy="4878259"/>
           </a:xfrm>
           <a:prstGeom prst="rect">
             <a:avLst/>
@@ -6100,7 +6210,7 @@
               <a:buNone/>
               <a:tabLst/>
             </a:pPr>
-            <a:endParaRPr lang="en-US" altLang="ru-RU" dirty="0">
+            <a:endParaRPr lang="en-US" altLang="ru-RU" sz="1700" dirty="0">
               <a:latin typeface="+mn-lt"/>
             </a:endParaRPr>
           </a:p>
@@ -6122,7 +6232,7 @@
               <a:tabLst/>
             </a:pPr>
             <a:r>
-              <a:rPr lang="ru-RU" altLang="ru-RU" dirty="0">
+              <a:rPr lang="ru-RU" altLang="ru-RU" sz="1700" dirty="0">
                 <a:latin typeface="+mn-lt"/>
               </a:rPr>
               <a:t>Будем полагать, что классы помечены числами 0 и 1:</a:t>
@@ -6146,7 +6256,7 @@
               <a:tabLst/>
             </a:pPr>
             <a:r>
-              <a:rPr lang="ru-RU" altLang="ru-RU" dirty="0">
+              <a:rPr lang="ru-RU" altLang="ru-RU" sz="1700" dirty="0">
                 <a:latin typeface="+mn-lt"/>
               </a:rPr>
               <a:t>Предъявляем на вход один объект. Если выходной сигнал персептрона совпадает с правильным ответом, то никаких действий предпринимать не надо. В случае ошибки необходимо обучить персептрон правильно решать данный пример.</a:t>
@@ -6170,7 +6280,7 @@
               <a:tabLst/>
             </a:pPr>
             <a:r>
-              <a:rPr lang="ru-RU" altLang="ru-RU" dirty="0">
+              <a:rPr lang="ru-RU" altLang="ru-RU" sz="1700" dirty="0">
                 <a:latin typeface="+mn-lt"/>
               </a:rPr>
               <a:t>Ошибки могут быть двух типов. Рассмотрим каждый из них.</a:t>
@@ -6194,31 +6304,31 @@
               <a:tabLst/>
             </a:pPr>
             <a:r>
-              <a:rPr lang="ru-RU" altLang="ru-RU" dirty="0">
+              <a:rPr lang="ru-RU" altLang="ru-RU" sz="1700" dirty="0">
                 <a:latin typeface="+mn-lt"/>
               </a:rPr>
               <a:t>Первый тип ошибки: на выходе персептрона a(</a:t>
             </a:r>
             <a:r>
-              <a:rPr lang="ru-RU" altLang="ru-RU" dirty="0" err="1">
+              <a:rPr lang="ru-RU" altLang="ru-RU" sz="1700" dirty="0" err="1">
                 <a:latin typeface="+mn-lt"/>
               </a:rPr>
               <a:t>xi</a:t>
             </a:r>
             <a:r>
-              <a:rPr lang="ru-RU" altLang="ru-RU" dirty="0">
+              <a:rPr lang="ru-RU" altLang="ru-RU" sz="1700" dirty="0">
                 <a:latin typeface="+mn-lt"/>
               </a:rPr>
               <a:t>) = 0, правильный ответ </a:t>
             </a:r>
             <a:r>
-              <a:rPr lang="ru-RU" altLang="ru-RU" dirty="0" err="1">
+              <a:rPr lang="ru-RU" altLang="ru-RU" sz="1700" dirty="0" err="1">
                 <a:latin typeface="+mn-lt"/>
               </a:rPr>
               <a:t>yi</a:t>
             </a:r>
             <a:r>
-              <a:rPr lang="ru-RU" altLang="ru-RU" dirty="0">
+              <a:rPr lang="ru-RU" altLang="ru-RU" sz="1700" dirty="0">
                 <a:latin typeface="+mn-lt"/>
               </a:rPr>
               <a:t>=1.</a:t>
@@ -6242,7 +6352,7 @@
               <a:tabLst/>
             </a:pPr>
             <a:r>
-              <a:rPr lang="ru-RU" altLang="ru-RU" dirty="0">
+              <a:rPr lang="ru-RU" altLang="ru-RU" sz="1700" dirty="0">
                 <a:latin typeface="+mn-lt"/>
               </a:rPr>
               <a:t>Для того, чтобы персептрон выдавал правильный ответ необходимо, чтобы скалярное произведение стало больше. Поскольку переменные принимают значения 0 или 1, увеличение суммы может быть достигнуто за счет увеличения весов. Однако нет смысла увеличивать веса при переменных , которые равны нулю. Увеличиваем веса только при тех, которые равны 1. Для закрепления единичных сигналов с ω, следует провести ту же процедуру и на всех остальных слоях.</a:t>
@@ -6266,31 +6376,31 @@
               <a:tabLst/>
             </a:pPr>
             <a:r>
-              <a:rPr lang="ru-RU" altLang="ru-RU" dirty="0">
+              <a:rPr lang="ru-RU" altLang="ru-RU" sz="1700" dirty="0">
                 <a:latin typeface="+mn-lt"/>
               </a:rPr>
               <a:t>Второй тип ошибки: a(</a:t>
             </a:r>
             <a:r>
-              <a:rPr lang="ru-RU" altLang="ru-RU" dirty="0" err="1">
+              <a:rPr lang="ru-RU" altLang="ru-RU" sz="1700" dirty="0" err="1">
                 <a:latin typeface="+mn-lt"/>
               </a:rPr>
               <a:t>xi</a:t>
             </a:r>
             <a:r>
-              <a:rPr lang="ru-RU" altLang="ru-RU" dirty="0">
+              <a:rPr lang="ru-RU" altLang="ru-RU" sz="1700" dirty="0">
                 <a:latin typeface="+mn-lt"/>
               </a:rPr>
               <a:t>) =1, </a:t>
             </a:r>
             <a:r>
-              <a:rPr lang="ru-RU" altLang="ru-RU" dirty="0" err="1">
+              <a:rPr lang="ru-RU" altLang="ru-RU" sz="1700" dirty="0" err="1">
                 <a:latin typeface="+mn-lt"/>
               </a:rPr>
               <a:t>yi</a:t>
             </a:r>
             <a:r>
-              <a:rPr lang="ru-RU" altLang="ru-RU" dirty="0">
+              <a:rPr lang="ru-RU" altLang="ru-RU" sz="1700" dirty="0">
                 <a:latin typeface="+mn-lt"/>
               </a:rPr>
               <a:t>=0.</a:t>
@@ -6314,7 +6424,7 @@
               <a:tabLst/>
             </a:pPr>
             <a:r>
-              <a:rPr lang="ru-RU" altLang="ru-RU" dirty="0">
+              <a:rPr lang="ru-RU" altLang="ru-RU" sz="1700" dirty="0">
                 <a:latin typeface="+mn-lt"/>
               </a:rPr>
               <a:t>Для уменьшения скалярного произведения в правой части, необходимо уменьшить веса связей при тех переменных , которые равны 1. Необходимо также провести эту процедуру для всех активных нейронов предыдущих слоев.</a:t>
@@ -6428,7 +6538,7 @@
             </a:r>
             <a:r>
               <a:rPr lang="ru-RU" dirty="0" smtClean="0"/>
-              <a:t>, 2017</a:t>
+              <a:t>, 2018</a:t>
             </a:r>
             <a:endParaRPr lang="ru-RU" dirty="0"/>
           </a:p>
@@ -6791,7 +6901,7 @@
                       <m:sSubPr>
                         <m:ctrlPr>
                           <a:rPr lang="ru-RU" i="1">
-                            <a:latin typeface="Cambria Math"/>
+                            <a:latin typeface="Cambria Math" panose="02040503050406030204" pitchFamily="18" charset="0"/>
                             <a:ea typeface="Cambria Math" panose="02040503050406030204" pitchFamily="18" charset="0"/>
                           </a:rPr>
                         </m:ctrlPr>
@@ -6965,7 +7075,7 @@
                       <m:sSubPr>
                         <m:ctrlPr>
                           <a:rPr lang="ru-RU" i="1">
-                            <a:latin typeface="Cambria Math"/>
+                            <a:latin typeface="Cambria Math" panose="02040503050406030204" pitchFamily="18" charset="0"/>
                             <a:ea typeface="Cambria Math" panose="02040503050406030204" pitchFamily="18" charset="0"/>
                           </a:rPr>
                         </m:ctrlPr>
@@ -7014,7 +7124,7 @@
                       <m:dPr>
                         <m:ctrlPr>
                           <a:rPr lang="en-US" i="1">
-                            <a:latin typeface="Cambria Math"/>
+                            <a:latin typeface="Cambria Math" panose="02040503050406030204" pitchFamily="18" charset="0"/>
                             <a:ea typeface="Cambria Math" panose="02040503050406030204" pitchFamily="18" charset="0"/>
                           </a:rPr>
                         </m:ctrlPr>
@@ -7047,7 +7157,7 @@
                       <m:dPr>
                         <m:ctrlPr>
                           <a:rPr lang="en-US" i="1" dirty="0">
-                            <a:latin typeface="Cambria Math"/>
+                            <a:latin typeface="Cambria Math" panose="02040503050406030204" pitchFamily="18" charset="0"/>
                             <a:ea typeface="Cambria Math" panose="02040503050406030204" pitchFamily="18" charset="0"/>
                           </a:rPr>
                         </m:ctrlPr>
@@ -7057,7 +7167,7 @@
                           <m:sSubPr>
                             <m:ctrlPr>
                               <a:rPr lang="ru-RU" i="1">
-                                <a:latin typeface="Cambria Math"/>
+                                <a:latin typeface="Cambria Math" panose="02040503050406030204" pitchFamily="18" charset="0"/>
                                 <a:ea typeface="Cambria Math" panose="02040503050406030204" pitchFamily="18" charset="0"/>
                               </a:rPr>
                             </m:ctrlPr>
@@ -7098,7 +7208,7 @@
                           <m:sSubPr>
                             <m:ctrlPr>
                               <a:rPr lang="ru-RU" i="1">
-                                <a:latin typeface="Cambria Math"/>
+                                <a:latin typeface="Cambria Math" panose="02040503050406030204" pitchFamily="18" charset="0"/>
                                 <a:ea typeface="Cambria Math" panose="02040503050406030204" pitchFamily="18" charset="0"/>
                               </a:rPr>
                             </m:ctrlPr>
@@ -7159,7 +7269,7 @@
                       <m:dPr>
                         <m:ctrlPr>
                           <a:rPr lang="en-US" b="0" i="1" smtClean="0">
-                            <a:latin typeface="Cambria Math"/>
+                            <a:latin typeface="Cambria Math" panose="02040503050406030204" pitchFamily="18" charset="0"/>
                             <a:ea typeface="Cambria Math" panose="02040503050406030204" pitchFamily="18" charset="0"/>
                           </a:rPr>
                         </m:ctrlPr>
@@ -7192,14 +7302,7 @@
                         <a:latin typeface="Cambria Math"/>
                         <a:ea typeface="Cambria Math" panose="02040503050406030204" pitchFamily="18" charset="0"/>
                       </a:rPr>
-                      <m:t> −производная от ф</m:t>
-                    </m:r>
-                    <m:r>
-                      <a:rPr lang="ru-RU" b="0" i="0" smtClean="0">
-                        <a:latin typeface="Cambria Math"/>
-                        <a:ea typeface="Cambria Math" panose="02040503050406030204" pitchFamily="18" charset="0"/>
-                      </a:rPr>
-                      <m:t>ункции</m:t>
+                      <m:t> −производная от функции</m:t>
                     </m:r>
                   </m:oMath>
                 </a14:m>
@@ -7209,7 +7312,7 @@
                 </a:r>
                 <a:r>
                   <a:rPr lang="ru-RU" dirty="0" err="1" smtClean="0"/>
-                  <a:t>сигмоида</a:t>
+                  <a:t>сигмоиды</a:t>
                 </a:r>
                 <a:r>
                   <a:rPr lang="ru-RU" dirty="0" smtClean="0"/>
@@ -7228,7 +7331,7 @@
                       <m:sSubPr>
                         <m:ctrlPr>
                           <a:rPr lang="ru-RU" i="1" smtClean="0">
-                            <a:latin typeface="Cambria Math"/>
+                            <a:latin typeface="Cambria Math" panose="02040503050406030204" pitchFamily="18" charset="0"/>
                             <a:ea typeface="Cambria Math" panose="02040503050406030204" pitchFamily="18" charset="0"/>
                           </a:rPr>
                         </m:ctrlPr>
@@ -7270,7 +7373,7 @@
                       <m:sSubPr>
                         <m:ctrlPr>
                           <a:rPr lang="ru-RU" i="1">
-                            <a:latin typeface="Cambria Math"/>
+                            <a:latin typeface="Cambria Math" panose="02040503050406030204" pitchFamily="18" charset="0"/>
                             <a:ea typeface="Cambria Math" panose="02040503050406030204" pitchFamily="18" charset="0"/>
                           </a:rPr>
                         </m:ctrlPr>
@@ -7305,7 +7408,7 @@
                       <m:dPr>
                         <m:ctrlPr>
                           <a:rPr lang="en-US" i="1" dirty="0">
-                            <a:latin typeface="Cambria Math"/>
+                            <a:latin typeface="Cambria Math" panose="02040503050406030204" pitchFamily="18" charset="0"/>
                           </a:rPr>
                         </m:ctrlPr>
                       </m:dPr>
@@ -7320,7 +7423,7 @@
                           <m:sSubPr>
                             <m:ctrlPr>
                               <a:rPr lang="ru-RU" i="1">
-                                <a:latin typeface="Cambria Math"/>
+                                <a:latin typeface="Cambria Math" panose="02040503050406030204" pitchFamily="18" charset="0"/>
                                 <a:ea typeface="Cambria Math" panose="02040503050406030204" pitchFamily="18" charset="0"/>
                               </a:rPr>
                             </m:ctrlPr>
@@ -7363,7 +7466,7 @@
                       <m:dPr>
                         <m:ctrlPr>
                           <a:rPr lang="en-US" i="1" dirty="0">
-                            <a:latin typeface="Cambria Math"/>
+                            <a:latin typeface="Cambria Math" panose="02040503050406030204" pitchFamily="18" charset="0"/>
                             <a:ea typeface="Cambria Math" panose="02040503050406030204" pitchFamily="18" charset="0"/>
                           </a:rPr>
                         </m:ctrlPr>
@@ -7373,7 +7476,7 @@
                           <m:sSubPr>
                             <m:ctrlPr>
                               <a:rPr lang="ru-RU" i="1">
-                                <a:latin typeface="Cambria Math"/>
+                                <a:latin typeface="Cambria Math" panose="02040503050406030204" pitchFamily="18" charset="0"/>
                                 <a:ea typeface="Cambria Math" panose="02040503050406030204" pitchFamily="18" charset="0"/>
                               </a:rPr>
                             </m:ctrlPr>
@@ -7414,7 +7517,7 @@
                           <m:sSubPr>
                             <m:ctrlPr>
                               <a:rPr lang="ru-RU" i="1">
-                                <a:latin typeface="Cambria Math"/>
+                                <a:latin typeface="Cambria Math" panose="02040503050406030204" pitchFamily="18" charset="0"/>
                                 <a:ea typeface="Cambria Math" panose="02040503050406030204" pitchFamily="18" charset="0"/>
                               </a:rPr>
                             </m:ctrlPr>
@@ -7467,7 +7570,7 @@
                       <m:dPr>
                         <m:ctrlPr>
                           <a:rPr lang="en-US" i="1" dirty="0">
-                            <a:latin typeface="Cambria Math"/>
+                            <a:latin typeface="Cambria Math" panose="02040503050406030204" pitchFamily="18" charset="0"/>
                             <a:ea typeface="Cambria Math" panose="02040503050406030204" pitchFamily="18" charset="0"/>
                           </a:rPr>
                         </m:ctrlPr>
@@ -7477,7 +7580,7 @@
                           <m:sSubPr>
                             <m:ctrlPr>
                               <a:rPr lang="ru-RU" i="1">
-                                <a:latin typeface="Cambria Math"/>
+                                <a:latin typeface="Cambria Math" panose="02040503050406030204" pitchFamily="18" charset="0"/>
                                 <a:ea typeface="Cambria Math" panose="02040503050406030204" pitchFamily="18" charset="0"/>
                               </a:rPr>
                             </m:ctrlPr>
@@ -7518,7 +7621,7 @@
                           <m:sSubPr>
                             <m:ctrlPr>
                               <a:rPr lang="ru-RU" i="1">
-                                <a:latin typeface="Cambria Math"/>
+                                <a:latin typeface="Cambria Math" panose="02040503050406030204" pitchFamily="18" charset="0"/>
                                 <a:ea typeface="Cambria Math" panose="02040503050406030204" pitchFamily="18" charset="0"/>
                               </a:rPr>
                             </m:ctrlPr>
@@ -7597,7 +7700,7 @@
                 </a:r>
                 <a:r>
                   <a:rPr lang="ru-RU" dirty="0" smtClean="0"/>
-                  <a:t>уровня </a:t>
+                  <a:t>слоя </a:t>
                 </a:r>
                 <a:r>
                   <a:rPr lang="en-US" dirty="0" smtClean="0"/>
@@ -7621,7 +7724,7 @@
                         <m:sSubPr>
                           <m:ctrlPr>
                             <a:rPr lang="ru-RU" i="1">
-                              <a:latin typeface="Cambria Math"/>
+                              <a:latin typeface="Cambria Math" panose="02040503050406030204" pitchFamily="18" charset="0"/>
                               <a:ea typeface="Cambria Math" panose="02040503050406030204" pitchFamily="18" charset="0"/>
                             </a:rPr>
                           </m:ctrlPr>
@@ -7670,7 +7773,7 @@
                         <m:dPr>
                           <m:ctrlPr>
                             <a:rPr lang="en-US" i="1">
-                              <a:latin typeface="Cambria Math"/>
+                              <a:latin typeface="Cambria Math" panose="02040503050406030204" pitchFamily="18" charset="0"/>
                               <a:ea typeface="Cambria Math" panose="02040503050406030204" pitchFamily="18" charset="0"/>
                             </a:rPr>
                           </m:ctrlPr>
@@ -7697,7 +7800,7 @@
                           <m:chr m:val="∑"/>
                           <m:ctrlPr>
                             <a:rPr lang="pt-BR" i="1" smtClean="0">
-                              <a:latin typeface="Cambria Math"/>
+                              <a:latin typeface="Cambria Math" panose="02040503050406030204" pitchFamily="18" charset="0"/>
                             </a:rPr>
                           </m:ctrlPr>
                         </m:naryPr>
@@ -7752,7 +7855,7 @@
                             <m:sSubPr>
                               <m:ctrlPr>
                                 <a:rPr lang="ru-RU" i="1">
-                                  <a:latin typeface="Cambria Math"/>
+                                  <a:latin typeface="Cambria Math" panose="02040503050406030204" pitchFamily="18" charset="0"/>
                                   <a:ea typeface="Cambria Math" panose="02040503050406030204" pitchFamily="18" charset="0"/>
                                 </a:rPr>
                               </m:ctrlPr>
@@ -7787,7 +7890,7 @@
                             <m:sSubPr>
                               <m:ctrlPr>
                                 <a:rPr lang="ru-RU" i="1">
-                                  <a:latin typeface="Cambria Math"/>
+                                  <a:latin typeface="Cambria Math" panose="02040503050406030204" pitchFamily="18" charset="0"/>
                                   <a:ea typeface="Cambria Math" panose="02040503050406030204" pitchFamily="18" charset="0"/>
                                 </a:rPr>
                               </m:ctrlPr>
@@ -7865,7 +7968,7 @@
                       <m:sSubPr>
                         <m:ctrlPr>
                           <a:rPr lang="ru-RU" sz="1600" i="1" smtClean="0">
-                            <a:latin typeface="Cambria Math"/>
+                            <a:latin typeface="Cambria Math" panose="02040503050406030204" pitchFamily="18" charset="0"/>
                             <a:ea typeface="Cambria Math" panose="02040503050406030204" pitchFamily="18" charset="0"/>
                           </a:rPr>
                         </m:ctrlPr>
@@ -7930,7 +8033,7 @@
                       <m:sSubPr>
                         <m:ctrlPr>
                           <a:rPr lang="ru-RU" sz="1600" i="1">
-                            <a:latin typeface="Cambria Math"/>
+                            <a:latin typeface="Cambria Math" panose="02040503050406030204" pitchFamily="18" charset="0"/>
                             <a:ea typeface="Cambria Math" panose="02040503050406030204" pitchFamily="18" charset="0"/>
                           </a:rPr>
                         </m:ctrlPr>
@@ -8003,7 +8106,7 @@
                       <m:sSubPr>
                         <m:ctrlPr>
                           <a:rPr lang="ru-RU" sz="1600" i="1">
-                            <a:latin typeface="Cambria Math"/>
+                            <a:latin typeface="Cambria Math" panose="02040503050406030204" pitchFamily="18" charset="0"/>
                             <a:ea typeface="Cambria Math" panose="02040503050406030204" pitchFamily="18" charset="0"/>
                           </a:rPr>
                         </m:ctrlPr>
@@ -8038,7 +8141,7 @@
                       <m:sSubPr>
                         <m:ctrlPr>
                           <a:rPr lang="ru-RU" sz="1600" i="1">
-                            <a:latin typeface="Cambria Math"/>
+                            <a:latin typeface="Cambria Math" panose="02040503050406030204" pitchFamily="18" charset="0"/>
                             <a:ea typeface="Cambria Math" panose="02040503050406030204" pitchFamily="18" charset="0"/>
                           </a:rPr>
                         </m:ctrlPr>
@@ -8239,7 +8342,7 @@
             </a:r>
             <a:r>
               <a:rPr lang="ru-RU" dirty="0" smtClean="0"/>
-              <a:t>, 2017</a:t>
+              <a:t>, 2018</a:t>
             </a:r>
             <a:endParaRPr lang="ru-RU" dirty="0"/>
           </a:p>
@@ -9273,7 +9376,7 @@
                         <m:dPr>
                           <m:ctrlPr>
                             <a:rPr lang="en-US" b="0" i="1" smtClean="0">
-                              <a:latin typeface="Cambria Math"/>
+                              <a:latin typeface="Cambria Math" panose="02040503050406030204" pitchFamily="18" charset="0"/>
                             </a:rPr>
                           </m:ctrlPr>
                         </m:dPr>
@@ -9296,7 +9399,7 @@
                         <m:fPr>
                           <m:ctrlPr>
                             <a:rPr lang="en-US" b="0" i="1" smtClean="0">
-                              <a:latin typeface="Cambria Math"/>
+                              <a:latin typeface="Cambria Math" panose="02040503050406030204" pitchFamily="18" charset="0"/>
                             </a:rPr>
                           </m:ctrlPr>
                         </m:fPr>
@@ -9325,7 +9428,7 @@
                             <m:sSupPr>
                               <m:ctrlPr>
                                 <a:rPr lang="en-US" b="0" i="1" smtClean="0">
-                                  <a:latin typeface="Cambria Math"/>
+                                  <a:latin typeface="Cambria Math" panose="02040503050406030204" pitchFamily="18" charset="0"/>
                                 </a:rPr>
                               </m:ctrlPr>
                             </m:sSupPr>
@@ -10633,7 +10736,7 @@
             </a:r>
             <a:r>
               <a:rPr lang="ru-RU" dirty="0" smtClean="0"/>
-              <a:t>, 2017</a:t>
+              <a:t>, 2018</a:t>
             </a:r>
             <a:endParaRPr lang="ru-RU" dirty="0"/>
           </a:p>
@@ -11667,7 +11770,7 @@
                         <m:dPr>
                           <m:ctrlPr>
                             <a:rPr lang="en-US" b="0" i="1" smtClean="0">
-                              <a:latin typeface="Cambria Math"/>
+                              <a:latin typeface="Cambria Math" panose="02040503050406030204" pitchFamily="18" charset="0"/>
                             </a:rPr>
                           </m:ctrlPr>
                         </m:dPr>
@@ -11690,7 +11793,7 @@
                         <m:fPr>
                           <m:ctrlPr>
                             <a:rPr lang="en-US" b="0" i="1" smtClean="0">
-                              <a:latin typeface="Cambria Math"/>
+                              <a:latin typeface="Cambria Math" panose="02040503050406030204" pitchFamily="18" charset="0"/>
                             </a:rPr>
                           </m:ctrlPr>
                         </m:fPr>
@@ -11719,7 +11822,7 @@
                             <m:sSupPr>
                               <m:ctrlPr>
                                 <a:rPr lang="en-US" b="0" i="1" smtClean="0">
-                                  <a:latin typeface="Cambria Math"/>
+                                  <a:latin typeface="Cambria Math" panose="02040503050406030204" pitchFamily="18" charset="0"/>
                                 </a:rPr>
                               </m:ctrlPr>
                             </m:sSupPr>
@@ -12454,7 +12557,7 @@
                             <a:solidFill>
                               <a:schemeClr val="tx1"/>
                             </a:solidFill>
-                            <a:latin typeface="Cambria Math"/>
+                            <a:latin typeface="Cambria Math" panose="02040503050406030204" pitchFamily="18" charset="0"/>
                             <a:ea typeface="Cambria Math" panose="02040503050406030204" pitchFamily="18" charset="0"/>
                           </a:rPr>
                         </m:ctrlPr>
@@ -12512,7 +12615,7 @@
                             <a:solidFill>
                               <a:schemeClr val="tx1"/>
                             </a:solidFill>
-                            <a:latin typeface="Cambria Math"/>
+                            <a:latin typeface="Cambria Math" panose="02040503050406030204" pitchFamily="18" charset="0"/>
                             <a:ea typeface="Cambria Math" panose="02040503050406030204" pitchFamily="18" charset="0"/>
                           </a:rPr>
                         </m:ctrlPr>
@@ -12560,7 +12663,7 @@
                             <a:solidFill>
                               <a:schemeClr val="tx1"/>
                             </a:solidFill>
-                            <a:latin typeface="Cambria Math"/>
+                            <a:latin typeface="Cambria Math" panose="02040503050406030204" pitchFamily="18" charset="0"/>
                           </a:rPr>
                         </m:ctrlPr>
                       </m:dPr>
@@ -12581,7 +12684,7 @@
                                 <a:solidFill>
                                   <a:schemeClr val="tx1"/>
                                 </a:solidFill>
-                                <a:latin typeface="Cambria Math"/>
+                                <a:latin typeface="Cambria Math" panose="02040503050406030204" pitchFamily="18" charset="0"/>
                                 <a:ea typeface="Cambria Math" panose="02040503050406030204" pitchFamily="18" charset="0"/>
                               </a:rPr>
                             </m:ctrlPr>
@@ -12640,7 +12743,7 @@
                             <a:solidFill>
                               <a:schemeClr val="tx1"/>
                             </a:solidFill>
-                            <a:latin typeface="Cambria Math"/>
+                            <a:latin typeface="Cambria Math" panose="02040503050406030204" pitchFamily="18" charset="0"/>
                             <a:ea typeface="Cambria Math" panose="02040503050406030204" pitchFamily="18" charset="0"/>
                           </a:rPr>
                         </m:ctrlPr>
@@ -12653,7 +12756,7 @@
                                 <a:solidFill>
                                   <a:schemeClr val="tx1"/>
                                 </a:solidFill>
-                                <a:latin typeface="Cambria Math"/>
+                                <a:latin typeface="Cambria Math" panose="02040503050406030204" pitchFamily="18" charset="0"/>
                                 <a:ea typeface="Cambria Math" panose="02040503050406030204" pitchFamily="18" charset="0"/>
                               </a:rPr>
                             </m:ctrlPr>
@@ -12710,7 +12813,7 @@
                                 <a:solidFill>
                                   <a:schemeClr val="tx1"/>
                                 </a:solidFill>
-                                <a:latin typeface="Cambria Math"/>
+                                <a:latin typeface="Cambria Math" panose="02040503050406030204" pitchFamily="18" charset="0"/>
                                 <a:ea typeface="Cambria Math" panose="02040503050406030204" pitchFamily="18" charset="0"/>
                               </a:rPr>
                             </m:ctrlPr>
@@ -12880,7 +12983,7 @@
                       <m:sSubPr>
                         <m:ctrlPr>
                           <a:rPr lang="ru-RU" i="1">
-                            <a:latin typeface="Cambria Math"/>
+                            <a:latin typeface="Cambria Math" panose="02040503050406030204" pitchFamily="18" charset="0"/>
                             <a:ea typeface="Cambria Math" panose="02040503050406030204" pitchFamily="18" charset="0"/>
                           </a:rPr>
                         </m:ctrlPr>
@@ -12953,7 +13056,7 @@
                       <m:sSubPr>
                         <m:ctrlPr>
                           <a:rPr lang="ru-RU" i="1">
-                            <a:latin typeface="Cambria Math"/>
+                            <a:latin typeface="Cambria Math" panose="02040503050406030204" pitchFamily="18" charset="0"/>
                             <a:ea typeface="Cambria Math" panose="02040503050406030204" pitchFamily="18" charset="0"/>
                           </a:rPr>
                         </m:ctrlPr>
@@ -12981,7 +13084,7 @@
                       <m:sSubPr>
                         <m:ctrlPr>
                           <a:rPr lang="ru-RU" i="1">
-                            <a:latin typeface="Cambria Math"/>
+                            <a:latin typeface="Cambria Math" panose="02040503050406030204" pitchFamily="18" charset="0"/>
                             <a:ea typeface="Cambria Math" panose="02040503050406030204" pitchFamily="18" charset="0"/>
                           </a:rPr>
                         </m:ctrlPr>
@@ -13196,7 +13299,7 @@
                       <m:sSubPr>
                         <m:ctrlPr>
                           <a:rPr lang="ru-RU" i="1">
-                            <a:latin typeface="Cambria Math"/>
+                            <a:latin typeface="Cambria Math" panose="02040503050406030204" pitchFamily="18" charset="0"/>
                             <a:ea typeface="Cambria Math" panose="02040503050406030204" pitchFamily="18" charset="0"/>
                           </a:rPr>
                         </m:ctrlPr>
@@ -13269,7 +13372,7 @@
                       <m:sSubPr>
                         <m:ctrlPr>
                           <a:rPr lang="ru-RU" i="1">
-                            <a:latin typeface="Cambria Math"/>
+                            <a:latin typeface="Cambria Math" panose="02040503050406030204" pitchFamily="18" charset="0"/>
                             <a:ea typeface="Cambria Math" panose="02040503050406030204" pitchFamily="18" charset="0"/>
                           </a:rPr>
                         </m:ctrlPr>
@@ -13297,7 +13400,7 @@
                       <m:sSubPr>
                         <m:ctrlPr>
                           <a:rPr lang="ru-RU" i="1">
-                            <a:latin typeface="Cambria Math"/>
+                            <a:latin typeface="Cambria Math" panose="02040503050406030204" pitchFamily="18" charset="0"/>
                             <a:ea typeface="Cambria Math" panose="02040503050406030204" pitchFamily="18" charset="0"/>
                           </a:rPr>
                         </m:ctrlPr>
@@ -13580,7 +13683,7 @@
                         <m:chr m:val="∑"/>
                         <m:ctrlPr>
                           <a:rPr lang="pt-BR" i="1">
-                            <a:latin typeface="Cambria Math"/>
+                            <a:latin typeface="Cambria Math" panose="02040503050406030204" pitchFamily="18" charset="0"/>
                           </a:rPr>
                         </m:ctrlPr>
                       </m:naryPr>
@@ -13635,7 +13738,7 @@
                           <m:sSubPr>
                             <m:ctrlPr>
                               <a:rPr lang="ru-RU" i="1">
-                                <a:latin typeface="Cambria Math"/>
+                                <a:latin typeface="Cambria Math" panose="02040503050406030204" pitchFamily="18" charset="0"/>
                                 <a:ea typeface="Cambria Math" panose="02040503050406030204" pitchFamily="18" charset="0"/>
                               </a:rPr>
                             </m:ctrlPr>
@@ -13670,7 +13773,7 @@
                           <m:sSubPr>
                             <m:ctrlPr>
                               <a:rPr lang="ru-RU" i="1">
-                                <a:latin typeface="Cambria Math"/>
+                                <a:latin typeface="Cambria Math" panose="02040503050406030204" pitchFamily="18" charset="0"/>
                                 <a:ea typeface="Cambria Math" panose="02040503050406030204" pitchFamily="18" charset="0"/>
                               </a:rPr>
                             </m:ctrlPr>
@@ -14387,7 +14490,7 @@
             </a:r>
             <a:r>
               <a:rPr lang="ru-RU" dirty="0" smtClean="0"/>
-              <a:t>, 2017</a:t>
+              <a:t>, 2018</a:t>
             </a:r>
             <a:endParaRPr lang="ru-RU" dirty="0"/>
           </a:p>
@@ -14745,7 +14848,7 @@
             </a:r>
             <a:r>
               <a:rPr lang="ru-RU" dirty="0" smtClean="0"/>
-              <a:t>(обычно несколько десятков и сотен) </a:t>
+              <a:t>(обычно несколько сотен и даже тысяч) </a:t>
             </a:r>
             <a:r>
               <a:rPr lang="ru-RU" dirty="0"/>
@@ -14824,7 +14927,15 @@
             </a:r>
             <a:r>
               <a:rPr lang="ru-RU" dirty="0"/>
-              <a:t> не путать итерацию с эпохой и понимать последовательность их </a:t>
+              <a:t> не путать </a:t>
+            </a:r>
+            <a:r>
+              <a:rPr lang="ru-RU" dirty="0" smtClean="0"/>
+              <a:t>итерацию (п) </a:t>
+            </a:r>
+            <a:r>
+              <a:rPr lang="ru-RU" dirty="0"/>
+              <a:t>с эпохой и понимать последовательность их </a:t>
             </a:r>
             <a:r>
               <a:rPr lang="ru-RU" dirty="0" smtClean="0"/>
@@ -14990,7 +15101,7 @@
             </a:r>
             <a:r>
               <a:rPr lang="ru-RU" dirty="0" smtClean="0"/>
-              <a:t>, 2017</a:t>
+              <a:t>, 2018</a:t>
             </a:r>
             <a:endParaRPr lang="ru-RU" dirty="0"/>
           </a:p>
@@ -15418,7 +15529,7 @@
             </a:r>
             <a:r>
               <a:rPr lang="ru-RU" dirty="0" smtClean="0"/>
-              <a:t>, 2017</a:t>
+              <a:t>, 2018</a:t>
             </a:r>
             <a:endParaRPr lang="ru-RU" dirty="0"/>
           </a:p>
@@ -15867,7 +15978,7 @@
             </a:r>
             <a:r>
               <a:rPr lang="ru-RU" dirty="0" smtClean="0"/>
-              <a:t>, 2017</a:t>
+              <a:t>, 2018</a:t>
             </a:r>
             <a:endParaRPr lang="ru-RU" dirty="0"/>
           </a:p>
@@ -16341,7 +16452,7 @@
             </a:r>
             <a:r>
               <a:rPr lang="ru-RU" dirty="0" smtClean="0"/>
-              <a:t>, 2017</a:t>
+              <a:t>, 2018</a:t>
             </a:r>
             <a:endParaRPr lang="ru-RU" dirty="0"/>
           </a:p>
@@ -16724,16 +16835,13 @@
             </a:r>
             <a:r>
               <a:rPr lang="ru-RU" sz="2000" dirty="0"/>
-              <a:t> — в настоящее время, самое широкое применение нейронных сетей. Используется в </a:t>
-            </a:r>
-            <a:r>
-              <a:rPr lang="ru-RU" sz="2000" dirty="0" err="1"/>
-              <a:t>Google</a:t>
-            </a:r>
-            <a:r>
-              <a:rPr lang="ru-RU" sz="2000" dirty="0"/>
-              <a:t>, когда вы ищете фото или в камерах телефонов, когда оно определяет положение вашего лица и выделяет его и многое другое.</a:t>
-            </a:r>
+              <a:t> — в настоящее время, самое широкое применение нейронных сетей. Используется в Google, когда вы ищете фото или в камерах телефонов, когда оно определяет положение вашего лица и выделяет </a:t>
+            </a:r>
+            <a:r>
+              <a:rPr lang="ru-RU" sz="2000" dirty="0" smtClean="0"/>
+              <a:t>его, а также для многого другого.</a:t>
+            </a:r>
+            <a:endParaRPr lang="ru-RU" sz="2000" dirty="0"/>
           </a:p>
         </p:txBody>
       </p:sp>
@@ -16843,7 +16951,7 @@
             </a:r>
             <a:r>
               <a:rPr lang="ru-RU" dirty="0" smtClean="0"/>
-              <a:t>, 2017</a:t>
+              <a:t>, 2018</a:t>
             </a:r>
             <a:endParaRPr lang="ru-RU" dirty="0"/>
           </a:p>
@@ -17396,7 +17504,7 @@
             </a:r>
             <a:r>
               <a:rPr lang="ru-RU" dirty="0" smtClean="0"/>
-              <a:t>, 2017</a:t>
+              <a:t>, 2018</a:t>
             </a:r>
             <a:endParaRPr lang="ru-RU" dirty="0"/>
           </a:p>
@@ -18261,7 +18369,7 @@
                         <m:dPr>
                           <m:ctrlPr>
                             <a:rPr lang="en-US" b="0" i="1" smtClean="0">
-                              <a:latin typeface="Cambria Math"/>
+                              <a:latin typeface="Cambria Math" panose="02040503050406030204" pitchFamily="18" charset="0"/>
                             </a:rPr>
                           </m:ctrlPr>
                         </m:dPr>
@@ -18286,7 +18394,7 @@
                           <m:endChr m:val=""/>
                           <m:ctrlPr>
                             <a:rPr lang="en-US" b="0" i="1" smtClean="0">
-                              <a:latin typeface="Cambria Math"/>
+                              <a:latin typeface="Cambria Math" panose="02040503050406030204" pitchFamily="18" charset="0"/>
                             </a:rPr>
                           </m:ctrlPr>
                         </m:dPr>
@@ -18295,7 +18403,7 @@
                             <m:eqArrPr>
                               <m:ctrlPr>
                                 <a:rPr lang="en-US" b="0" i="1" smtClean="0">
-                                  <a:latin typeface="Cambria Math"/>
+                                  <a:latin typeface="Cambria Math" panose="02040503050406030204" pitchFamily="18" charset="0"/>
                                 </a:rPr>
                               </m:ctrlPr>
                             </m:eqArrPr>
@@ -19274,7 +19382,7 @@
             </a:r>
             <a:r>
               <a:rPr lang="ru-RU" dirty="0" smtClean="0"/>
-              <a:t>, 2017</a:t>
+              <a:t>, 2018</a:t>
             </a:r>
             <a:endParaRPr lang="ru-RU" dirty="0"/>
           </a:p>
@@ -20324,7 +20432,7 @@
                         <m:dPr>
                           <m:ctrlPr>
                             <a:rPr lang="en-US" b="0" i="1" smtClean="0">
-                              <a:latin typeface="Cambria Math"/>
+                              <a:latin typeface="Cambria Math" panose="02040503050406030204" pitchFamily="18" charset="0"/>
                             </a:rPr>
                           </m:ctrlPr>
                         </m:dPr>
@@ -20349,7 +20457,7 @@
                           <m:endChr m:val=""/>
                           <m:ctrlPr>
                             <a:rPr lang="en-US" b="0" i="1" smtClean="0">
-                              <a:latin typeface="Cambria Math"/>
+                              <a:latin typeface="Cambria Math" panose="02040503050406030204" pitchFamily="18" charset="0"/>
                             </a:rPr>
                           </m:ctrlPr>
                         </m:dPr>
@@ -20358,7 +20466,7 @@
                             <m:eqArrPr>
                               <m:ctrlPr>
                                 <a:rPr lang="en-US" b="0" i="1" smtClean="0">
-                                  <a:latin typeface="Cambria Math"/>
+                                  <a:latin typeface="Cambria Math" panose="02040503050406030204" pitchFamily="18" charset="0"/>
                                 </a:rPr>
                               </m:ctrlPr>
                             </m:eqArrPr>
@@ -20691,17 +20799,7 @@
                   </a:schemeClr>
                 </a:solidFill>
               </a:rPr>
-              <a:t>-</a:t>
-            </a:r>
-            <a:r>
-              <a:rPr lang="ru-RU" sz="1600" dirty="0" smtClean="0">
-                <a:solidFill>
-                  <a:schemeClr val="accent1">
-                    <a:lumMod val="75000"/>
-                  </a:schemeClr>
-                </a:solidFill>
-              </a:rPr>
-              <a:t>0.4</a:t>
+              <a:t>-0.5</a:t>
             </a:r>
             <a:endParaRPr lang="ru-RU" sz="1600" dirty="0">
               <a:solidFill>
@@ -20743,7 +20841,7 @@
                   </a:schemeClr>
                 </a:solidFill>
               </a:rPr>
-              <a:t>0.9</a:t>
+              <a:t>0.5</a:t>
             </a:r>
             <a:endParaRPr lang="ru-RU" sz="1600" dirty="0">
               <a:solidFill>
@@ -21837,7 +21935,7 @@
             </a:r>
             <a:r>
               <a:rPr lang="ru-RU" dirty="0" smtClean="0"/>
-              <a:t>, 2017</a:t>
+              <a:t>, 2018</a:t>
             </a:r>
             <a:endParaRPr lang="ru-RU" dirty="0"/>
           </a:p>
